--- a/report/Presentation software dependability.pptx
+++ b/report/Presentation software dependability.pptx
@@ -252,7 +252,7 @@
           <a:p>
             <a:fld id="{F0EAD0E8-63E9-4605-9AB1-9B06398963B4}" type="datetimeFigureOut">
               <a:rPr lang="it-IT" smtClean="0"/>
-              <a:t>06/01/2024</a:t>
+              <a:t>13/01/2024</a:t>
             </a:fld>
             <a:endParaRPr lang="it-IT" dirty="0"/>
           </a:p>
@@ -422,7 +422,7 @@
           <a:p>
             <a:fld id="{F0EAD0E8-63E9-4605-9AB1-9B06398963B4}" type="datetimeFigureOut">
               <a:rPr lang="it-IT" smtClean="0"/>
-              <a:t>06/01/2024</a:t>
+              <a:t>13/01/2024</a:t>
             </a:fld>
             <a:endParaRPr lang="it-IT" dirty="0"/>
           </a:p>
@@ -602,7 +602,7 @@
           <a:p>
             <a:fld id="{F0EAD0E8-63E9-4605-9AB1-9B06398963B4}" type="datetimeFigureOut">
               <a:rPr lang="it-IT" smtClean="0"/>
-              <a:t>06/01/2024</a:t>
+              <a:t>13/01/2024</a:t>
             </a:fld>
             <a:endParaRPr lang="it-IT" dirty="0"/>
           </a:p>
@@ -772,7 +772,7 @@
           <a:p>
             <a:fld id="{F0EAD0E8-63E9-4605-9AB1-9B06398963B4}" type="datetimeFigureOut">
               <a:rPr lang="it-IT" smtClean="0"/>
-              <a:t>06/01/2024</a:t>
+              <a:t>13/01/2024</a:t>
             </a:fld>
             <a:endParaRPr lang="it-IT" dirty="0"/>
           </a:p>
@@ -1018,7 +1018,7 @@
           <a:p>
             <a:fld id="{F0EAD0E8-63E9-4605-9AB1-9B06398963B4}" type="datetimeFigureOut">
               <a:rPr lang="it-IT" smtClean="0"/>
-              <a:t>06/01/2024</a:t>
+              <a:t>13/01/2024</a:t>
             </a:fld>
             <a:endParaRPr lang="it-IT" dirty="0"/>
           </a:p>
@@ -1250,7 +1250,7 @@
           <a:p>
             <a:fld id="{F0EAD0E8-63E9-4605-9AB1-9B06398963B4}" type="datetimeFigureOut">
               <a:rPr lang="it-IT" smtClean="0"/>
-              <a:t>06/01/2024</a:t>
+              <a:t>13/01/2024</a:t>
             </a:fld>
             <a:endParaRPr lang="it-IT" dirty="0"/>
           </a:p>
@@ -1617,7 +1617,7 @@
           <a:p>
             <a:fld id="{F0EAD0E8-63E9-4605-9AB1-9B06398963B4}" type="datetimeFigureOut">
               <a:rPr lang="it-IT" smtClean="0"/>
-              <a:t>06/01/2024</a:t>
+              <a:t>13/01/2024</a:t>
             </a:fld>
             <a:endParaRPr lang="it-IT" dirty="0"/>
           </a:p>
@@ -1735,7 +1735,7 @@
           <a:p>
             <a:fld id="{F0EAD0E8-63E9-4605-9AB1-9B06398963B4}" type="datetimeFigureOut">
               <a:rPr lang="it-IT" smtClean="0"/>
-              <a:t>06/01/2024</a:t>
+              <a:t>13/01/2024</a:t>
             </a:fld>
             <a:endParaRPr lang="it-IT" dirty="0"/>
           </a:p>
@@ -1830,7 +1830,7 @@
           <a:p>
             <a:fld id="{F0EAD0E8-63E9-4605-9AB1-9B06398963B4}" type="datetimeFigureOut">
               <a:rPr lang="it-IT" smtClean="0"/>
-              <a:t>06/01/2024</a:t>
+              <a:t>13/01/2024</a:t>
             </a:fld>
             <a:endParaRPr lang="it-IT" dirty="0"/>
           </a:p>
@@ -2107,7 +2107,7 @@
           <a:p>
             <a:fld id="{F0EAD0E8-63E9-4605-9AB1-9B06398963B4}" type="datetimeFigureOut">
               <a:rPr lang="it-IT" smtClean="0"/>
-              <a:t>06/01/2024</a:t>
+              <a:t>13/01/2024</a:t>
             </a:fld>
             <a:endParaRPr lang="it-IT" dirty="0"/>
           </a:p>
@@ -2360,7 +2360,7 @@
           <a:p>
             <a:fld id="{F0EAD0E8-63E9-4605-9AB1-9B06398963B4}" type="datetimeFigureOut">
               <a:rPr lang="it-IT" smtClean="0"/>
-              <a:t>06/01/2024</a:t>
+              <a:t>13/01/2024</a:t>
             </a:fld>
             <a:endParaRPr lang="it-IT" dirty="0"/>
           </a:p>
@@ -2573,7 +2573,7 @@
           <a:p>
             <a:fld id="{F0EAD0E8-63E9-4605-9AB1-9B06398963B4}" type="datetimeFigureOut">
               <a:rPr lang="it-IT" smtClean="0"/>
-              <a:t>06/01/2024</a:t>
+              <a:t>13/01/2024</a:t>
             </a:fld>
             <a:endParaRPr lang="it-IT" dirty="0"/>
           </a:p>
@@ -4665,6 +4665,7 @@
           </a:bodyPr>
           <a:lstStyle/>
           <a:p>
+            <a:pPr algn="l"/>
             <a:r>
               <a:rPr lang="it-IT" dirty="0" smtClean="0"/>
               <a:t>The </a:t>
@@ -4727,6 +4728,7 @@
             </a:r>
           </a:p>
           <a:p>
+            <a:pPr algn="l"/>
             <a:r>
               <a:rPr lang="en-US" dirty="0" smtClean="0"/>
               <a:t>Instead, the performance testing was </a:t>
@@ -4749,15 +4751,7 @@
             </a:r>
             <a:r>
               <a:rPr lang="en-US" dirty="0" smtClean="0"/>
-              <a:t>Harness. This </a:t>
-            </a:r>
-            <a:r>
-              <a:rPr lang="en-US" dirty="0" smtClean="0"/>
-              <a:t>testing </a:t>
-            </a:r>
-            <a:r>
-              <a:rPr lang="en-US" dirty="0" smtClean="0"/>
-              <a:t>was done in order to compare different functions performing the same task.</a:t>
+              <a:t>Harness. This testing was done in order to compare different functions performing the same task.</a:t>
             </a:r>
             <a:endParaRPr lang="it-IT" dirty="0"/>
           </a:p>
@@ -6754,6 +6748,7 @@
           <a:bodyPr anchor="ctr"/>
           <a:lstStyle/>
           <a:p>
+            <a:pPr algn="l"/>
             <a:r>
               <a:rPr lang="it-IT" dirty="0" smtClean="0"/>
               <a:t>The </a:t>
@@ -6808,6 +6803,7 @@
             </a:r>
           </a:p>
           <a:p>
+            <a:pPr algn="l"/>
             <a:r>
               <a:rPr lang="it-IT" dirty="0" err="1" smtClean="0"/>
               <a:t>Randoop</a:t>
